--- a/Docs/Project/Biodiversity Analysis.pptx
+++ b/Docs/Project/Biodiversity Analysis.pptx
@@ -185,7 +185,7 @@
           <a:noFill/>
           <a:extLst>
             <a:ext uri="{909E8E84-426E-40dd-AFC4-6F175D3DCCD1}">
-              <a14:hiddenFill xmlns:a14="http://schemas.microsoft.com/office/drawing/2010/main" xmlns="">
+              <a14:hiddenFill xmlns="" xmlns:a14="http://schemas.microsoft.com/office/drawing/2010/main">
                 <a:solidFill>
                   <a:srgbClr val="FFFFFF"/>
                 </a:solidFill>
@@ -245,7 +245,7 @@
             </a:ln>
             <a:extLst>
               <a:ext uri="{91240B29-F687-4f45-9708-019B960494DF}">
-                <a14:hiddenLine xmlns:a14="http://schemas.microsoft.com/office/drawing/2010/main" xmlns="" w="9525">
+                <a14:hiddenLine xmlns="" xmlns:a14="http://schemas.microsoft.com/office/drawing/2010/main" w="9525">
                   <a:solidFill>
                     <a:srgbClr val="000000"/>
                   </a:solidFill>
@@ -335,7 +335,7 @@
             </a:ln>
             <a:extLst>
               <a:ext uri="{91240B29-F687-4f45-9708-019B960494DF}">
-                <a14:hiddenLine xmlns:a14="http://schemas.microsoft.com/office/drawing/2010/main" xmlns="" w="9525">
+                <a14:hiddenLine xmlns="" xmlns:a14="http://schemas.microsoft.com/office/drawing/2010/main" w="9525">
                   <a:solidFill>
                     <a:srgbClr val="000000"/>
                   </a:solidFill>
@@ -425,7 +425,7 @@
             </a:ln>
             <a:extLst>
               <a:ext uri="{91240B29-F687-4f45-9708-019B960494DF}">
-                <a14:hiddenLine xmlns:a14="http://schemas.microsoft.com/office/drawing/2010/main" xmlns="" w="9525">
+                <a14:hiddenLine xmlns="" xmlns:a14="http://schemas.microsoft.com/office/drawing/2010/main" w="9525">
                   <a:solidFill>
                     <a:srgbClr val="000000"/>
                   </a:solidFill>
@@ -459,7 +459,7 @@
             </a:ln>
             <a:extLst>
               <a:ext uri="{91240B29-F687-4f45-9708-019B960494DF}">
-                <a14:hiddenLine xmlns:a14="http://schemas.microsoft.com/office/drawing/2010/main" xmlns="" w="9525">
+                <a14:hiddenLine xmlns="" xmlns:a14="http://schemas.microsoft.com/office/drawing/2010/main" w="9525">
                   <a:solidFill>
                     <a:srgbClr val="000000"/>
                   </a:solidFill>
@@ -549,7 +549,7 @@
             </a:ln>
             <a:extLst>
               <a:ext uri="{91240B29-F687-4f45-9708-019B960494DF}">
-                <a14:hiddenLine xmlns:a14="http://schemas.microsoft.com/office/drawing/2010/main" xmlns="" w="9525">
+                <a14:hiddenLine xmlns="" xmlns:a14="http://schemas.microsoft.com/office/drawing/2010/main" w="9525">
                   <a:solidFill>
                     <a:srgbClr val="000000"/>
                   </a:solidFill>
@@ -611,7 +611,7 @@
             </a:ln>
             <a:extLst>
               <a:ext uri="{91240B29-F687-4f45-9708-019B960494DF}">
-                <a14:hiddenLine xmlns:a14="http://schemas.microsoft.com/office/drawing/2010/main" xmlns="" w="9525">
+                <a14:hiddenLine xmlns="" xmlns:a14="http://schemas.microsoft.com/office/drawing/2010/main" w="9525">
                   <a:solidFill>
                     <a:srgbClr val="000000"/>
                   </a:solidFill>
@@ -673,7 +673,7 @@
             </a:ln>
             <a:extLst>
               <a:ext uri="{91240B29-F687-4f45-9708-019B960494DF}">
-                <a14:hiddenLine xmlns:a14="http://schemas.microsoft.com/office/drawing/2010/main" xmlns="" w="9525">
+                <a14:hiddenLine xmlns="" xmlns:a14="http://schemas.microsoft.com/office/drawing/2010/main" w="9525">
                   <a:solidFill>
                     <a:srgbClr val="000000"/>
                   </a:solidFill>
@@ -763,7 +763,7 @@
             </a:ln>
             <a:extLst>
               <a:ext uri="{91240B29-F687-4f45-9708-019B960494DF}">
-                <a14:hiddenLine xmlns:a14="http://schemas.microsoft.com/office/drawing/2010/main" xmlns="" w="9525">
+                <a14:hiddenLine xmlns="" xmlns:a14="http://schemas.microsoft.com/office/drawing/2010/main" w="9525">
                   <a:solidFill>
                     <a:srgbClr val="000000"/>
                   </a:solidFill>
@@ -825,7 +825,7 @@
             </a:ln>
             <a:extLst>
               <a:ext uri="{91240B29-F687-4f45-9708-019B960494DF}">
-                <a14:hiddenLine xmlns:a14="http://schemas.microsoft.com/office/drawing/2010/main" xmlns="" w="9525">
+                <a14:hiddenLine xmlns="" xmlns:a14="http://schemas.microsoft.com/office/drawing/2010/main" w="9525">
                   <a:solidFill>
                     <a:srgbClr val="000000"/>
                   </a:solidFill>
@@ -887,7 +887,7 @@
             </a:ln>
             <a:extLst>
               <a:ext uri="{91240B29-F687-4f45-9708-019B960494DF}">
-                <a14:hiddenLine xmlns:a14="http://schemas.microsoft.com/office/drawing/2010/main" xmlns="" w="9525">
+                <a14:hiddenLine xmlns="" xmlns:a14="http://schemas.microsoft.com/office/drawing/2010/main" w="9525">
                   <a:solidFill>
                     <a:srgbClr val="000000"/>
                   </a:solidFill>
@@ -977,7 +977,7 @@
             </a:ln>
             <a:extLst>
               <a:ext uri="{91240B29-F687-4f45-9708-019B960494DF}">
-                <a14:hiddenLine xmlns:a14="http://schemas.microsoft.com/office/drawing/2010/main" xmlns="" w="9525">
+                <a14:hiddenLine xmlns="" xmlns:a14="http://schemas.microsoft.com/office/drawing/2010/main" w="9525">
                   <a:solidFill>
                     <a:srgbClr val="000000"/>
                   </a:solidFill>
@@ -1067,7 +1067,7 @@
             </a:ln>
             <a:extLst>
               <a:ext uri="{91240B29-F687-4f45-9708-019B960494DF}">
-                <a14:hiddenLine xmlns:a14="http://schemas.microsoft.com/office/drawing/2010/main" xmlns="" w="9525">
+                <a14:hiddenLine xmlns="" xmlns:a14="http://schemas.microsoft.com/office/drawing/2010/main" w="9525">
                   <a:solidFill>
                     <a:srgbClr val="000000"/>
                   </a:solidFill>
@@ -1129,7 +1129,7 @@
             </a:ln>
             <a:extLst>
               <a:ext uri="{91240B29-F687-4f45-9708-019B960494DF}">
-                <a14:hiddenLine xmlns:a14="http://schemas.microsoft.com/office/drawing/2010/main" xmlns="" w="9525">
+                <a14:hiddenLine xmlns="" xmlns:a14="http://schemas.microsoft.com/office/drawing/2010/main" w="9525">
                   <a:solidFill>
                     <a:srgbClr val="000000"/>
                   </a:solidFill>
@@ -1239,7 +1239,7 @@
             </a:ln>
             <a:extLst>
               <a:ext uri="{91240B29-F687-4f45-9708-019B960494DF}">
-                <a14:hiddenLine xmlns:a14="http://schemas.microsoft.com/office/drawing/2010/main" xmlns="" w="9525">
+                <a14:hiddenLine xmlns="" xmlns:a14="http://schemas.microsoft.com/office/drawing/2010/main" w="9525">
                   <a:solidFill>
                     <a:srgbClr val="000000"/>
                   </a:solidFill>
@@ -1301,7 +1301,7 @@
             </a:ln>
             <a:extLst>
               <a:ext uri="{91240B29-F687-4f45-9708-019B960494DF}">
-                <a14:hiddenLine xmlns:a14="http://schemas.microsoft.com/office/drawing/2010/main" xmlns="" w="9525">
+                <a14:hiddenLine xmlns="" xmlns:a14="http://schemas.microsoft.com/office/drawing/2010/main" w="9525">
                   <a:solidFill>
                     <a:srgbClr val="000000"/>
                   </a:solidFill>
@@ -1391,7 +1391,7 @@
             </a:ln>
             <a:extLst>
               <a:ext uri="{91240B29-F687-4f45-9708-019B960494DF}">
-                <a14:hiddenLine xmlns:a14="http://schemas.microsoft.com/office/drawing/2010/main" xmlns="" w="9525">
+                <a14:hiddenLine xmlns="" xmlns:a14="http://schemas.microsoft.com/office/drawing/2010/main" w="9525">
                   <a:solidFill>
                     <a:srgbClr val="000000"/>
                   </a:solidFill>
@@ -1481,7 +1481,7 @@
             </a:ln>
             <a:extLst>
               <a:ext uri="{91240B29-F687-4f45-9708-019B960494DF}">
-                <a14:hiddenLine xmlns:a14="http://schemas.microsoft.com/office/drawing/2010/main" xmlns="" w="9525">
+                <a14:hiddenLine xmlns="" xmlns:a14="http://schemas.microsoft.com/office/drawing/2010/main" w="9525">
                   <a:solidFill>
                     <a:srgbClr val="000000"/>
                   </a:solidFill>
@@ -1543,7 +1543,7 @@
             </a:ln>
             <a:extLst>
               <a:ext uri="{91240B29-F687-4f45-9708-019B960494DF}">
-                <a14:hiddenLine xmlns:a14="http://schemas.microsoft.com/office/drawing/2010/main" xmlns="" w="9525">
+                <a14:hiddenLine xmlns="" xmlns:a14="http://schemas.microsoft.com/office/drawing/2010/main" w="9525">
                   <a:solidFill>
                     <a:srgbClr val="000000"/>
                   </a:solidFill>
@@ -1633,7 +1633,7 @@
             </a:ln>
             <a:extLst>
               <a:ext uri="{91240B29-F687-4f45-9708-019B960494DF}">
-                <a14:hiddenLine xmlns:a14="http://schemas.microsoft.com/office/drawing/2010/main" xmlns="" w="9525">
+                <a14:hiddenLine xmlns="" xmlns:a14="http://schemas.microsoft.com/office/drawing/2010/main" w="9525">
                   <a:solidFill>
                     <a:srgbClr val="000000"/>
                   </a:solidFill>
@@ -1723,7 +1723,7 @@
             </a:ln>
             <a:extLst>
               <a:ext uri="{91240B29-F687-4f45-9708-019B960494DF}">
-                <a14:hiddenLine xmlns:a14="http://schemas.microsoft.com/office/drawing/2010/main" xmlns="" w="9525">
+                <a14:hiddenLine xmlns="" xmlns:a14="http://schemas.microsoft.com/office/drawing/2010/main" w="9525">
                   <a:solidFill>
                     <a:srgbClr val="000000"/>
                   </a:solidFill>
@@ -1779,7 +1779,7 @@
             </a:ln>
             <a:extLst>
               <a:ext uri="{91240B29-F687-4f45-9708-019B960494DF}">
-                <a14:hiddenLine xmlns:a14="http://schemas.microsoft.com/office/drawing/2010/main" xmlns="" w="9525">
+                <a14:hiddenLine xmlns="" xmlns:a14="http://schemas.microsoft.com/office/drawing/2010/main" w="9525">
                   <a:solidFill>
                     <a:srgbClr val="000000"/>
                   </a:solidFill>
@@ -1869,7 +1869,7 @@
             </a:ln>
             <a:extLst>
               <a:ext uri="{91240B29-F687-4f45-9708-019B960494DF}">
-                <a14:hiddenLine xmlns:a14="http://schemas.microsoft.com/office/drawing/2010/main" xmlns="" w="9525">
+                <a14:hiddenLine xmlns="" xmlns:a14="http://schemas.microsoft.com/office/drawing/2010/main" w="9525">
                   <a:solidFill>
                     <a:srgbClr val="000000"/>
                   </a:solidFill>
@@ -1925,7 +1925,7 @@
             </a:ln>
             <a:extLst>
               <a:ext uri="{91240B29-F687-4f45-9708-019B960494DF}">
-                <a14:hiddenLine xmlns:a14="http://schemas.microsoft.com/office/drawing/2010/main" xmlns="" w="9525">
+                <a14:hiddenLine xmlns="" xmlns:a14="http://schemas.microsoft.com/office/drawing/2010/main" w="9525">
                   <a:solidFill>
                     <a:srgbClr val="000000"/>
                   </a:solidFill>
@@ -2015,7 +2015,7 @@
             </a:ln>
             <a:extLst>
               <a:ext uri="{91240B29-F687-4f45-9708-019B960494DF}">
-                <a14:hiddenLine xmlns:a14="http://schemas.microsoft.com/office/drawing/2010/main" xmlns="" w="9525">
+                <a14:hiddenLine xmlns="" xmlns:a14="http://schemas.microsoft.com/office/drawing/2010/main" w="9525">
                   <a:solidFill>
                     <a:srgbClr val="000000"/>
                   </a:solidFill>
@@ -2083,7 +2083,7 @@
             </a:ln>
             <a:extLst>
               <a:ext uri="{91240B29-F687-4f45-9708-019B960494DF}">
-                <a14:hiddenLine xmlns:a14="http://schemas.microsoft.com/office/drawing/2010/main" xmlns="" w="9525">
+                <a14:hiddenLine xmlns="" xmlns:a14="http://schemas.microsoft.com/office/drawing/2010/main" w="9525">
                   <a:solidFill>
                     <a:srgbClr val="000000"/>
                   </a:solidFill>
@@ -2173,7 +2173,7 @@
             </a:ln>
             <a:extLst>
               <a:ext uri="{91240B29-F687-4f45-9708-019B960494DF}">
-                <a14:hiddenLine xmlns:a14="http://schemas.microsoft.com/office/drawing/2010/main" xmlns="" w="9525">
+                <a14:hiddenLine xmlns="" xmlns:a14="http://schemas.microsoft.com/office/drawing/2010/main" w="9525">
                   <a:solidFill>
                     <a:srgbClr val="000000"/>
                   </a:solidFill>
@@ -2241,7 +2241,7 @@
             </a:ln>
             <a:extLst>
               <a:ext uri="{91240B29-F687-4f45-9708-019B960494DF}">
-                <a14:hiddenLine xmlns:a14="http://schemas.microsoft.com/office/drawing/2010/main" xmlns="" w="9525">
+                <a14:hiddenLine xmlns="" xmlns:a14="http://schemas.microsoft.com/office/drawing/2010/main" w="9525">
                   <a:solidFill>
                     <a:srgbClr val="000000"/>
                   </a:solidFill>
@@ -2331,7 +2331,7 @@
             </a:ln>
             <a:extLst>
               <a:ext uri="{91240B29-F687-4f45-9708-019B960494DF}">
-                <a14:hiddenLine xmlns:a14="http://schemas.microsoft.com/office/drawing/2010/main" xmlns="" w="9525">
+                <a14:hiddenLine xmlns="" xmlns:a14="http://schemas.microsoft.com/office/drawing/2010/main" w="9525">
                   <a:solidFill>
                     <a:srgbClr val="000000"/>
                   </a:solidFill>
@@ -2365,7 +2365,7 @@
             </a:ln>
             <a:extLst>
               <a:ext uri="{91240B29-F687-4f45-9708-019B960494DF}">
-                <a14:hiddenLine xmlns:a14="http://schemas.microsoft.com/office/drawing/2010/main" xmlns="" w="9525">
+                <a14:hiddenLine xmlns="" xmlns:a14="http://schemas.microsoft.com/office/drawing/2010/main" w="9525">
                   <a:solidFill>
                     <a:srgbClr val="000000"/>
                   </a:solidFill>
@@ -2455,7 +2455,7 @@
             </a:ln>
             <a:extLst>
               <a:ext uri="{91240B29-F687-4f45-9708-019B960494DF}">
-                <a14:hiddenLine xmlns:a14="http://schemas.microsoft.com/office/drawing/2010/main" xmlns="" w="9525">
+                <a14:hiddenLine xmlns="" xmlns:a14="http://schemas.microsoft.com/office/drawing/2010/main" w="9525">
                   <a:solidFill>
                     <a:srgbClr val="000000"/>
                   </a:solidFill>
@@ -2517,7 +2517,7 @@
             </a:ln>
             <a:extLst>
               <a:ext uri="{91240B29-F687-4f45-9708-019B960494DF}">
-                <a14:hiddenLine xmlns:a14="http://schemas.microsoft.com/office/drawing/2010/main" xmlns="" w="9525">
+                <a14:hiddenLine xmlns="" xmlns:a14="http://schemas.microsoft.com/office/drawing/2010/main" w="9525">
                   <a:solidFill>
                     <a:srgbClr val="000000"/>
                   </a:solidFill>
@@ -2579,7 +2579,7 @@
             </a:ln>
             <a:extLst>
               <a:ext uri="{91240B29-F687-4f45-9708-019B960494DF}">
-                <a14:hiddenLine xmlns:a14="http://schemas.microsoft.com/office/drawing/2010/main" xmlns="" w="9525">
+                <a14:hiddenLine xmlns="" xmlns:a14="http://schemas.microsoft.com/office/drawing/2010/main" w="9525">
                   <a:solidFill>
                     <a:srgbClr val="000000"/>
                   </a:solidFill>
@@ -2669,7 +2669,7 @@
             </a:ln>
             <a:extLst>
               <a:ext uri="{91240B29-F687-4f45-9708-019B960494DF}">
-                <a14:hiddenLine xmlns:a14="http://schemas.microsoft.com/office/drawing/2010/main" xmlns="" w="9525">
+                <a14:hiddenLine xmlns="" xmlns:a14="http://schemas.microsoft.com/office/drawing/2010/main" w="9525">
                   <a:solidFill>
                     <a:srgbClr val="000000"/>
                   </a:solidFill>
@@ -2737,7 +2737,7 @@
             </a:ln>
             <a:extLst>
               <a:ext uri="{91240B29-F687-4f45-9708-019B960494DF}">
-                <a14:hiddenLine xmlns:a14="http://schemas.microsoft.com/office/drawing/2010/main" xmlns="" w="9525">
+                <a14:hiddenLine xmlns="" xmlns:a14="http://schemas.microsoft.com/office/drawing/2010/main" w="9525">
                   <a:solidFill>
                     <a:srgbClr val="000000"/>
                   </a:solidFill>
@@ -2799,7 +2799,7 @@
             </a:ln>
             <a:extLst>
               <a:ext uri="{91240B29-F687-4f45-9708-019B960494DF}">
-                <a14:hiddenLine xmlns:a14="http://schemas.microsoft.com/office/drawing/2010/main" xmlns="" w="9525">
+                <a14:hiddenLine xmlns="" xmlns:a14="http://schemas.microsoft.com/office/drawing/2010/main" w="9525">
                   <a:solidFill>
                     <a:srgbClr val="000000"/>
                   </a:solidFill>
@@ -2889,7 +2889,7 @@
             </a:ln>
             <a:extLst>
               <a:ext uri="{91240B29-F687-4f45-9708-019B960494DF}">
-                <a14:hiddenLine xmlns:a14="http://schemas.microsoft.com/office/drawing/2010/main" xmlns="" w="9525">
+                <a14:hiddenLine xmlns="" xmlns:a14="http://schemas.microsoft.com/office/drawing/2010/main" w="9525">
                   <a:solidFill>
                     <a:srgbClr val="000000"/>
                   </a:solidFill>
@@ -2951,7 +2951,7 @@
             </a:ln>
             <a:extLst>
               <a:ext uri="{91240B29-F687-4f45-9708-019B960494DF}">
-                <a14:hiddenLine xmlns:a14="http://schemas.microsoft.com/office/drawing/2010/main" xmlns="" w="9525">
+                <a14:hiddenLine xmlns="" xmlns:a14="http://schemas.microsoft.com/office/drawing/2010/main" w="9525">
                   <a:solidFill>
                     <a:srgbClr val="000000"/>
                   </a:solidFill>
@@ -3041,7 +3041,7 @@
             </a:ln>
             <a:extLst>
               <a:ext uri="{91240B29-F687-4f45-9708-019B960494DF}">
-                <a14:hiddenLine xmlns:a14="http://schemas.microsoft.com/office/drawing/2010/main" xmlns="" w="9525">
+                <a14:hiddenLine xmlns="" xmlns:a14="http://schemas.microsoft.com/office/drawing/2010/main" w="9525">
                   <a:solidFill>
                     <a:srgbClr val="000000"/>
                   </a:solidFill>
@@ -3103,7 +3103,7 @@
             </a:ln>
             <a:extLst>
               <a:ext uri="{91240B29-F687-4f45-9708-019B960494DF}">
-                <a14:hiddenLine xmlns:a14="http://schemas.microsoft.com/office/drawing/2010/main" xmlns="" w="9525">
+                <a14:hiddenLine xmlns="" xmlns:a14="http://schemas.microsoft.com/office/drawing/2010/main" w="9525">
                   <a:solidFill>
                     <a:srgbClr val="000000"/>
                   </a:solidFill>
@@ -3193,7 +3193,7 @@
             </a:ln>
             <a:extLst>
               <a:ext uri="{91240B29-F687-4f45-9708-019B960494DF}">
-                <a14:hiddenLine xmlns:a14="http://schemas.microsoft.com/office/drawing/2010/main" xmlns="" w="9525">
+                <a14:hiddenLine xmlns="" xmlns:a14="http://schemas.microsoft.com/office/drawing/2010/main" w="9525">
                   <a:solidFill>
                     <a:srgbClr val="000000"/>
                   </a:solidFill>
@@ -3227,7 +3227,7 @@
             </a:ln>
             <a:extLst>
               <a:ext uri="{91240B29-F687-4f45-9708-019B960494DF}">
-                <a14:hiddenLine xmlns:a14="http://schemas.microsoft.com/office/drawing/2010/main" xmlns="" w="9525">
+                <a14:hiddenLine xmlns="" xmlns:a14="http://schemas.microsoft.com/office/drawing/2010/main" w="9525">
                   <a:solidFill>
                     <a:srgbClr val="000000"/>
                   </a:solidFill>
@@ -3292,7 +3292,7 @@
             </a:ln>
             <a:extLst>
               <a:ext uri="{91240B29-F687-4f45-9708-019B960494DF}">
-                <a14:hiddenLine xmlns:a14="http://schemas.microsoft.com/office/drawing/2010/main" xmlns="" w="9525">
+                <a14:hiddenLine xmlns="" xmlns:a14="http://schemas.microsoft.com/office/drawing/2010/main" w="9525">
                   <a:solidFill>
                     <a:srgbClr val="000000"/>
                   </a:solidFill>
@@ -3382,7 +3382,7 @@
             </a:ln>
             <a:extLst>
               <a:ext uri="{91240B29-F687-4f45-9708-019B960494DF}">
-                <a14:hiddenLine xmlns:a14="http://schemas.microsoft.com/office/drawing/2010/main" xmlns="" w="9525">
+                <a14:hiddenLine xmlns="" xmlns:a14="http://schemas.microsoft.com/office/drawing/2010/main" w="9525">
                   <a:solidFill>
                     <a:srgbClr val="000000"/>
                   </a:solidFill>
@@ -3444,7 +3444,7 @@
             </a:ln>
             <a:extLst>
               <a:ext uri="{91240B29-F687-4f45-9708-019B960494DF}">
-                <a14:hiddenLine xmlns:a14="http://schemas.microsoft.com/office/drawing/2010/main" xmlns="" w="9525">
+                <a14:hiddenLine xmlns="" xmlns:a14="http://schemas.microsoft.com/office/drawing/2010/main" w="9525">
                   <a:solidFill>
                     <a:srgbClr val="000000"/>
                   </a:solidFill>
@@ -3534,7 +3534,7 @@
             </a:ln>
             <a:extLst>
               <a:ext uri="{91240B29-F687-4f45-9708-019B960494DF}">
-                <a14:hiddenLine xmlns:a14="http://schemas.microsoft.com/office/drawing/2010/main" xmlns="" w="9525">
+                <a14:hiddenLine xmlns="" xmlns:a14="http://schemas.microsoft.com/office/drawing/2010/main" w="9525">
                   <a:solidFill>
                     <a:srgbClr val="000000"/>
                   </a:solidFill>
@@ -3624,7 +3624,7 @@
             </a:ln>
             <a:extLst>
               <a:ext uri="{91240B29-F687-4f45-9708-019B960494DF}">
-                <a14:hiddenLine xmlns:a14="http://schemas.microsoft.com/office/drawing/2010/main" xmlns="" w="9525">
+                <a14:hiddenLine xmlns="" xmlns:a14="http://schemas.microsoft.com/office/drawing/2010/main" w="9525">
                   <a:solidFill>
                     <a:srgbClr val="000000"/>
                   </a:solidFill>
@@ -3689,7 +3689,7 @@
             </a:ln>
             <a:extLst>
               <a:ext uri="{91240B29-F687-4f45-9708-019B960494DF}">
-                <a14:hiddenLine xmlns:a14="http://schemas.microsoft.com/office/drawing/2010/main" xmlns="" w="9525">
+                <a14:hiddenLine xmlns="" xmlns:a14="http://schemas.microsoft.com/office/drawing/2010/main" w="9525">
                   <a:solidFill>
                     <a:srgbClr val="000000"/>
                   </a:solidFill>
@@ -3751,7 +3751,7 @@
             </a:ln>
             <a:extLst>
               <a:ext uri="{91240B29-F687-4f45-9708-019B960494DF}">
-                <a14:hiddenLine xmlns:a14="http://schemas.microsoft.com/office/drawing/2010/main" xmlns="" w="9525">
+                <a14:hiddenLine xmlns="" xmlns:a14="http://schemas.microsoft.com/office/drawing/2010/main" w="9525">
                   <a:solidFill>
                     <a:srgbClr val="000000"/>
                   </a:solidFill>
@@ -3841,7 +3841,7 @@
             </a:ln>
             <a:extLst>
               <a:ext uri="{91240B29-F687-4f45-9708-019B960494DF}">
-                <a14:hiddenLine xmlns:a14="http://schemas.microsoft.com/office/drawing/2010/main" xmlns="" w="9525">
+                <a14:hiddenLine xmlns="" xmlns:a14="http://schemas.microsoft.com/office/drawing/2010/main" w="9525">
                   <a:solidFill>
                     <a:srgbClr val="000000"/>
                   </a:solidFill>
@@ -3931,7 +3931,7 @@
             </a:ln>
             <a:extLst>
               <a:ext uri="{91240B29-F687-4f45-9708-019B960494DF}">
-                <a14:hiddenLine xmlns:a14="http://schemas.microsoft.com/office/drawing/2010/main" xmlns="" w="9525">
+                <a14:hiddenLine xmlns="" xmlns:a14="http://schemas.microsoft.com/office/drawing/2010/main" w="9525">
                   <a:solidFill>
                     <a:srgbClr val="000000"/>
                   </a:solidFill>
@@ -3993,7 +3993,7 @@
             </a:ln>
             <a:extLst>
               <a:ext uri="{91240B29-F687-4f45-9708-019B960494DF}">
-                <a14:hiddenLine xmlns:a14="http://schemas.microsoft.com/office/drawing/2010/main" xmlns="" w="9525">
+                <a14:hiddenLine xmlns="" xmlns:a14="http://schemas.microsoft.com/office/drawing/2010/main" w="9525">
                   <a:solidFill>
                     <a:srgbClr val="000000"/>
                   </a:solidFill>
@@ -4113,7 +4113,7 @@
             </a:ln>
             <a:extLst>
               <a:ext uri="{91240B29-F687-4f45-9708-019B960494DF}">
-                <a14:hiddenLine xmlns:a14="http://schemas.microsoft.com/office/drawing/2010/main" xmlns="" w="9525">
+                <a14:hiddenLine xmlns="" xmlns:a14="http://schemas.microsoft.com/office/drawing/2010/main" w="9525">
                   <a:solidFill>
                     <a:srgbClr val="000000"/>
                   </a:solidFill>
@@ -4181,7 +4181,7 @@
             </a:ln>
             <a:extLst>
               <a:ext uri="{91240B29-F687-4f45-9708-019B960494DF}">
-                <a14:hiddenLine xmlns:a14="http://schemas.microsoft.com/office/drawing/2010/main" xmlns="" w="9525">
+                <a14:hiddenLine xmlns="" xmlns:a14="http://schemas.microsoft.com/office/drawing/2010/main" w="9525">
                   <a:solidFill>
                     <a:srgbClr val="000000"/>
                   </a:solidFill>
@@ -4271,7 +4271,7 @@
             </a:ln>
             <a:extLst>
               <a:ext uri="{91240B29-F687-4f45-9708-019B960494DF}">
-                <a14:hiddenLine xmlns:a14="http://schemas.microsoft.com/office/drawing/2010/main" xmlns="" w="9525">
+                <a14:hiddenLine xmlns="" xmlns:a14="http://schemas.microsoft.com/office/drawing/2010/main" w="9525">
                   <a:solidFill>
                     <a:srgbClr val="000000"/>
                   </a:solidFill>
@@ -8993,7 +8993,7 @@
           <a:noFill/>
           <a:extLst>
             <a:ext uri="{909E8E84-426E-40dd-AFC4-6F175D3DCCD1}">
-              <a14:hiddenFill xmlns:a14="http://schemas.microsoft.com/office/drawing/2010/main" xmlns="">
+              <a14:hiddenFill xmlns="" xmlns:a14="http://schemas.microsoft.com/office/drawing/2010/main">
                 <a:solidFill>
                   <a:srgbClr val="FFFFFF"/>
                 </a:solidFill>
@@ -9067,7 +9067,7 @@
               </a:ln>
               <a:extLst>
                 <a:ext uri="{91240B29-F687-4f45-9708-019B960494DF}">
-                  <a14:hiddenLine xmlns:a14="http://schemas.microsoft.com/office/drawing/2010/main" xmlns="" w="9525">
+                  <a14:hiddenLine xmlns="" xmlns:a14="http://schemas.microsoft.com/office/drawing/2010/main" w="9525">
                     <a:solidFill>
                       <a:srgbClr val="000000"/>
                     </a:solidFill>
@@ -9157,7 +9157,7 @@
               </a:ln>
               <a:extLst>
                 <a:ext uri="{91240B29-F687-4f45-9708-019B960494DF}">
-                  <a14:hiddenLine xmlns:a14="http://schemas.microsoft.com/office/drawing/2010/main" xmlns="" w="9525">
+                  <a14:hiddenLine xmlns="" xmlns:a14="http://schemas.microsoft.com/office/drawing/2010/main" w="9525">
                     <a:solidFill>
                       <a:srgbClr val="000000"/>
                     </a:solidFill>
@@ -9247,7 +9247,7 @@
               </a:ln>
               <a:extLst>
                 <a:ext uri="{91240B29-F687-4f45-9708-019B960494DF}">
-                  <a14:hiddenLine xmlns:a14="http://schemas.microsoft.com/office/drawing/2010/main" xmlns="" w="9525">
+                  <a14:hiddenLine xmlns="" xmlns:a14="http://schemas.microsoft.com/office/drawing/2010/main" w="9525">
                     <a:solidFill>
                       <a:srgbClr val="000000"/>
                     </a:solidFill>
@@ -9309,7 +9309,7 @@
               </a:ln>
               <a:extLst>
                 <a:ext uri="{91240B29-F687-4f45-9708-019B960494DF}">
-                  <a14:hiddenLine xmlns:a14="http://schemas.microsoft.com/office/drawing/2010/main" xmlns="" w="9525">
+                  <a14:hiddenLine xmlns="" xmlns:a14="http://schemas.microsoft.com/office/drawing/2010/main" w="9525">
                     <a:solidFill>
                       <a:srgbClr val="000000"/>
                     </a:solidFill>
@@ -9399,7 +9399,7 @@
               </a:ln>
               <a:extLst>
                 <a:ext uri="{91240B29-F687-4f45-9708-019B960494DF}">
-                  <a14:hiddenLine xmlns:a14="http://schemas.microsoft.com/office/drawing/2010/main" xmlns="" w="9525">
+                  <a14:hiddenLine xmlns="" xmlns:a14="http://schemas.microsoft.com/office/drawing/2010/main" w="9525">
                     <a:solidFill>
                       <a:srgbClr val="000000"/>
                     </a:solidFill>
@@ -9461,7 +9461,7 @@
               </a:ln>
               <a:extLst>
                 <a:ext uri="{91240B29-F687-4f45-9708-019B960494DF}">
-                  <a14:hiddenLine xmlns:a14="http://schemas.microsoft.com/office/drawing/2010/main" xmlns="" w="9525">
+                  <a14:hiddenLine xmlns="" xmlns:a14="http://schemas.microsoft.com/office/drawing/2010/main" w="9525">
                     <a:solidFill>
                       <a:srgbClr val="000000"/>
                     </a:solidFill>
@@ -9523,7 +9523,7 @@
               </a:ln>
               <a:extLst>
                 <a:ext uri="{91240B29-F687-4f45-9708-019B960494DF}">
-                  <a14:hiddenLine xmlns:a14="http://schemas.microsoft.com/office/drawing/2010/main" xmlns="" w="9525">
+                  <a14:hiddenLine xmlns="" xmlns:a14="http://schemas.microsoft.com/office/drawing/2010/main" w="9525">
                     <a:solidFill>
                       <a:srgbClr val="000000"/>
                     </a:solidFill>
@@ -9613,7 +9613,7 @@
               </a:ln>
               <a:extLst>
                 <a:ext uri="{91240B29-F687-4f45-9708-019B960494DF}">
-                  <a14:hiddenLine xmlns:a14="http://schemas.microsoft.com/office/drawing/2010/main" xmlns="" w="9525">
+                  <a14:hiddenLine xmlns="" xmlns:a14="http://schemas.microsoft.com/office/drawing/2010/main" w="9525">
                     <a:solidFill>
                       <a:srgbClr val="000000"/>
                     </a:solidFill>
@@ -9703,7 +9703,7 @@
               </a:ln>
               <a:extLst>
                 <a:ext uri="{91240B29-F687-4f45-9708-019B960494DF}">
-                  <a14:hiddenLine xmlns:a14="http://schemas.microsoft.com/office/drawing/2010/main" xmlns="" w="9525">
+                  <a14:hiddenLine xmlns="" xmlns:a14="http://schemas.microsoft.com/office/drawing/2010/main" w="9525">
                     <a:solidFill>
                       <a:srgbClr val="000000"/>
                     </a:solidFill>
@@ -9765,7 +9765,7 @@
               </a:ln>
               <a:extLst>
                 <a:ext uri="{91240B29-F687-4f45-9708-019B960494DF}">
-                  <a14:hiddenLine xmlns:a14="http://schemas.microsoft.com/office/drawing/2010/main" xmlns="" w="9525">
+                  <a14:hiddenLine xmlns="" xmlns:a14="http://schemas.microsoft.com/office/drawing/2010/main" w="9525">
                     <a:solidFill>
                       <a:srgbClr val="000000"/>
                     </a:solidFill>
@@ -9875,7 +9875,7 @@
               </a:ln>
               <a:extLst>
                 <a:ext uri="{91240B29-F687-4f45-9708-019B960494DF}">
-                  <a14:hiddenLine xmlns:a14="http://schemas.microsoft.com/office/drawing/2010/main" xmlns="" w="9525">
+                  <a14:hiddenLine xmlns="" xmlns:a14="http://schemas.microsoft.com/office/drawing/2010/main" w="9525">
                     <a:solidFill>
                       <a:srgbClr val="000000"/>
                     </a:solidFill>
@@ -9959,7 +9959,7 @@
               </a:ln>
               <a:extLst>
                 <a:ext uri="{91240B29-F687-4f45-9708-019B960494DF}">
-                  <a14:hiddenLine xmlns:a14="http://schemas.microsoft.com/office/drawing/2010/main" xmlns="" w="9525">
+                  <a14:hiddenLine xmlns="" xmlns:a14="http://schemas.microsoft.com/office/drawing/2010/main" w="9525">
                     <a:solidFill>
                       <a:srgbClr val="000000"/>
                     </a:solidFill>
@@ -10021,7 +10021,7 @@
               </a:ln>
               <a:extLst>
                 <a:ext uri="{91240B29-F687-4f45-9708-019B960494DF}">
-                  <a14:hiddenLine xmlns:a14="http://schemas.microsoft.com/office/drawing/2010/main" xmlns="" w="9525">
+                  <a14:hiddenLine xmlns="" xmlns:a14="http://schemas.microsoft.com/office/drawing/2010/main" w="9525">
                     <a:solidFill>
                       <a:srgbClr val="000000"/>
                     </a:solidFill>
@@ -10083,7 +10083,7 @@
               </a:ln>
               <a:extLst>
                 <a:ext uri="{91240B29-F687-4f45-9708-019B960494DF}">
-                  <a14:hiddenLine xmlns:a14="http://schemas.microsoft.com/office/drawing/2010/main" xmlns="" w="9525">
+                  <a14:hiddenLine xmlns="" xmlns:a14="http://schemas.microsoft.com/office/drawing/2010/main" w="9525">
                     <a:solidFill>
                       <a:srgbClr val="000000"/>
                     </a:solidFill>
@@ -10173,7 +10173,7 @@
               </a:ln>
               <a:extLst>
                 <a:ext uri="{91240B29-F687-4f45-9708-019B960494DF}">
-                  <a14:hiddenLine xmlns:a14="http://schemas.microsoft.com/office/drawing/2010/main" xmlns="" w="9525">
+                  <a14:hiddenLine xmlns="" xmlns:a14="http://schemas.microsoft.com/office/drawing/2010/main" w="9525">
                     <a:solidFill>
                       <a:srgbClr val="000000"/>
                     </a:solidFill>
@@ -10207,7 +10207,7 @@
               </a:ln>
               <a:extLst>
                 <a:ext uri="{91240B29-F687-4f45-9708-019B960494DF}">
-                  <a14:hiddenLine xmlns:a14="http://schemas.microsoft.com/office/drawing/2010/main" xmlns="" w="9525">
+                  <a14:hiddenLine xmlns="" xmlns:a14="http://schemas.microsoft.com/office/drawing/2010/main" w="9525">
                     <a:solidFill>
                       <a:srgbClr val="000000"/>
                     </a:solidFill>
@@ -10272,7 +10272,7 @@
               </a:ln>
               <a:extLst>
                 <a:ext uri="{91240B29-F687-4f45-9708-019B960494DF}">
-                  <a14:hiddenLine xmlns:a14="http://schemas.microsoft.com/office/drawing/2010/main" xmlns="" w="9525">
+                  <a14:hiddenLine xmlns="" xmlns:a14="http://schemas.microsoft.com/office/drawing/2010/main" w="9525">
                     <a:solidFill>
                       <a:srgbClr val="000000"/>
                     </a:solidFill>
@@ -10362,7 +10362,7 @@
               </a:ln>
               <a:extLst>
                 <a:ext uri="{91240B29-F687-4f45-9708-019B960494DF}">
-                  <a14:hiddenLine xmlns:a14="http://schemas.microsoft.com/office/drawing/2010/main" xmlns="" w="9525">
+                  <a14:hiddenLine xmlns="" xmlns:a14="http://schemas.microsoft.com/office/drawing/2010/main" w="9525">
                     <a:solidFill>
                       <a:srgbClr val="000000"/>
                     </a:solidFill>
@@ -10424,7 +10424,7 @@
               </a:ln>
               <a:extLst>
                 <a:ext uri="{91240B29-F687-4f45-9708-019B960494DF}">
-                  <a14:hiddenLine xmlns:a14="http://schemas.microsoft.com/office/drawing/2010/main" xmlns="" w="9525">
+                  <a14:hiddenLine xmlns="" xmlns:a14="http://schemas.microsoft.com/office/drawing/2010/main" w="9525">
                     <a:solidFill>
                       <a:srgbClr val="000000"/>
                     </a:solidFill>
@@ -10514,7 +10514,7 @@
               </a:ln>
               <a:extLst>
                 <a:ext uri="{91240B29-F687-4f45-9708-019B960494DF}">
-                  <a14:hiddenLine xmlns:a14="http://schemas.microsoft.com/office/drawing/2010/main" xmlns="" w="9525">
+                  <a14:hiddenLine xmlns="" xmlns:a14="http://schemas.microsoft.com/office/drawing/2010/main" w="9525">
                     <a:solidFill>
                       <a:srgbClr val="000000"/>
                     </a:solidFill>
@@ -10579,7 +10579,7 @@
               </a:ln>
               <a:extLst>
                 <a:ext uri="{91240B29-F687-4f45-9708-019B960494DF}">
-                  <a14:hiddenLine xmlns:a14="http://schemas.microsoft.com/office/drawing/2010/main" xmlns="" w="9525">
+                  <a14:hiddenLine xmlns="" xmlns:a14="http://schemas.microsoft.com/office/drawing/2010/main" w="9525">
                     <a:solidFill>
                       <a:srgbClr val="000000"/>
                     </a:solidFill>
@@ -10641,7 +10641,7 @@
               </a:ln>
               <a:extLst>
                 <a:ext uri="{91240B29-F687-4f45-9708-019B960494DF}">
-                  <a14:hiddenLine xmlns:a14="http://schemas.microsoft.com/office/drawing/2010/main" xmlns="" w="9525">
+                  <a14:hiddenLine xmlns="" xmlns:a14="http://schemas.microsoft.com/office/drawing/2010/main" w="9525">
                     <a:solidFill>
                       <a:srgbClr val="000000"/>
                     </a:solidFill>
@@ -10731,7 +10731,7 @@
               </a:ln>
               <a:extLst>
                 <a:ext uri="{91240B29-F687-4f45-9708-019B960494DF}">
-                  <a14:hiddenLine xmlns:a14="http://schemas.microsoft.com/office/drawing/2010/main" xmlns="" w="9525">
+                  <a14:hiddenLine xmlns="" xmlns:a14="http://schemas.microsoft.com/office/drawing/2010/main" w="9525">
                     <a:solidFill>
                       <a:srgbClr val="000000"/>
                     </a:solidFill>
@@ -10821,7 +10821,7 @@
               </a:ln>
               <a:extLst>
                 <a:ext uri="{91240B29-F687-4f45-9708-019B960494DF}">
-                  <a14:hiddenLine xmlns:a14="http://schemas.microsoft.com/office/drawing/2010/main" xmlns="" w="9525">
+                  <a14:hiddenLine xmlns="" xmlns:a14="http://schemas.microsoft.com/office/drawing/2010/main" w="9525">
                     <a:solidFill>
                       <a:srgbClr val="000000"/>
                     </a:solidFill>
@@ -10886,7 +10886,7 @@
               </a:ln>
               <a:extLst>
                 <a:ext uri="{91240B29-F687-4f45-9708-019B960494DF}">
-                  <a14:hiddenLine xmlns:a14="http://schemas.microsoft.com/office/drawing/2010/main" xmlns="" w="9525">
+                  <a14:hiddenLine xmlns="" xmlns:a14="http://schemas.microsoft.com/office/drawing/2010/main" w="9525">
                     <a:solidFill>
                       <a:srgbClr val="000000"/>
                     </a:solidFill>
@@ -11006,7 +11006,7 @@
               </a:ln>
               <a:extLst>
                 <a:ext uri="{91240B29-F687-4f45-9708-019B960494DF}">
-                  <a14:hiddenLine xmlns:a14="http://schemas.microsoft.com/office/drawing/2010/main" xmlns="" w="9525">
+                  <a14:hiddenLine xmlns="" xmlns:a14="http://schemas.microsoft.com/office/drawing/2010/main" w="9525">
                     <a:solidFill>
                       <a:srgbClr val="000000"/>
                     </a:solidFill>
@@ -11104,7 +11104,7 @@
               </a:ln>
               <a:extLst>
                 <a:ext uri="{91240B29-F687-4f45-9708-019B960494DF}">
-                  <a14:hiddenLine xmlns:a14="http://schemas.microsoft.com/office/drawing/2010/main" xmlns="" w="9525">
+                  <a14:hiddenLine xmlns="" xmlns:a14="http://schemas.microsoft.com/office/drawing/2010/main" w="9525">
                     <a:solidFill>
                       <a:srgbClr val="000000"/>
                     </a:solidFill>
@@ -11219,7 +11219,7 @@
               </a:ln>
               <a:extLst>
                 <a:ext uri="{91240B29-F687-4f45-9708-019B960494DF}">
-                  <a14:hiddenLine xmlns:a14="http://schemas.microsoft.com/office/drawing/2010/main" xmlns="" w="9525">
+                  <a14:hiddenLine xmlns="" xmlns:a14="http://schemas.microsoft.com/office/drawing/2010/main" w="9525">
                     <a:solidFill>
                       <a:srgbClr val="000000"/>
                     </a:solidFill>
@@ -11309,7 +11309,7 @@
               </a:ln>
               <a:extLst>
                 <a:ext uri="{91240B29-F687-4f45-9708-019B960494DF}">
-                  <a14:hiddenLine xmlns:a14="http://schemas.microsoft.com/office/drawing/2010/main" xmlns="" w="9525">
+                  <a14:hiddenLine xmlns="" xmlns:a14="http://schemas.microsoft.com/office/drawing/2010/main" w="9525">
                     <a:solidFill>
                       <a:srgbClr val="000000"/>
                     </a:solidFill>
@@ -11374,7 +11374,7 @@
               </a:ln>
               <a:extLst>
                 <a:ext uri="{91240B29-F687-4f45-9708-019B960494DF}">
-                  <a14:hiddenLine xmlns:a14="http://schemas.microsoft.com/office/drawing/2010/main" xmlns="" w="9525">
+                  <a14:hiddenLine xmlns="" xmlns:a14="http://schemas.microsoft.com/office/drawing/2010/main" w="9525">
                     <a:solidFill>
                       <a:srgbClr val="000000"/>
                     </a:solidFill>
@@ -11464,7 +11464,7 @@
               </a:ln>
               <a:extLst>
                 <a:ext uri="{91240B29-F687-4f45-9708-019B960494DF}">
-                  <a14:hiddenLine xmlns:a14="http://schemas.microsoft.com/office/drawing/2010/main" xmlns="" w="9525">
+                  <a14:hiddenLine xmlns="" xmlns:a14="http://schemas.microsoft.com/office/drawing/2010/main" w="9525">
                     <a:solidFill>
                       <a:srgbClr val="000000"/>
                     </a:solidFill>
@@ -11532,7 +11532,7 @@
               </a:ln>
               <a:extLst>
                 <a:ext uri="{91240B29-F687-4f45-9708-019B960494DF}">
-                  <a14:hiddenLine xmlns:a14="http://schemas.microsoft.com/office/drawing/2010/main" xmlns="" w="9525">
+                  <a14:hiddenLine xmlns="" xmlns:a14="http://schemas.microsoft.com/office/drawing/2010/main" w="9525">
                     <a:solidFill>
                       <a:srgbClr val="000000"/>
                     </a:solidFill>
@@ -11622,7 +11622,7 @@
               </a:ln>
               <a:extLst>
                 <a:ext uri="{91240B29-F687-4f45-9708-019B960494DF}">
-                  <a14:hiddenLine xmlns:a14="http://schemas.microsoft.com/office/drawing/2010/main" xmlns="" w="9525">
+                  <a14:hiddenLine xmlns="" xmlns:a14="http://schemas.microsoft.com/office/drawing/2010/main" w="9525">
                     <a:solidFill>
                       <a:srgbClr val="000000"/>
                     </a:solidFill>
@@ -11690,7 +11690,7 @@
               </a:ln>
               <a:extLst>
                 <a:ext uri="{91240B29-F687-4f45-9708-019B960494DF}">
-                  <a14:hiddenLine xmlns:a14="http://schemas.microsoft.com/office/drawing/2010/main" xmlns="" w="9525">
+                  <a14:hiddenLine xmlns="" xmlns:a14="http://schemas.microsoft.com/office/drawing/2010/main" w="9525">
                     <a:solidFill>
                       <a:srgbClr val="000000"/>
                     </a:solidFill>
@@ -11780,7 +11780,7 @@
               </a:ln>
               <a:extLst>
                 <a:ext uri="{91240B29-F687-4f45-9708-019B960494DF}">
-                  <a14:hiddenLine xmlns:a14="http://schemas.microsoft.com/office/drawing/2010/main" xmlns="" w="9525">
+                  <a14:hiddenLine xmlns="" xmlns:a14="http://schemas.microsoft.com/office/drawing/2010/main" w="9525">
                     <a:solidFill>
                       <a:srgbClr val="000000"/>
                     </a:solidFill>
@@ -11814,7 +11814,7 @@
               </a:ln>
               <a:extLst>
                 <a:ext uri="{91240B29-F687-4f45-9708-019B960494DF}">
-                  <a14:hiddenLine xmlns:a14="http://schemas.microsoft.com/office/drawing/2010/main" xmlns="" w="9525">
+                  <a14:hiddenLine xmlns="" xmlns:a14="http://schemas.microsoft.com/office/drawing/2010/main" w="9525">
                     <a:solidFill>
                       <a:srgbClr val="000000"/>
                     </a:solidFill>
@@ -14867,75 +14867,59 @@
       </p:pic>
       <p:pic>
         <p:nvPicPr>
-          <p:cNvPr id="2054" name="Picture 6" descr="The raw data is subjected to an Exploratory Data Analysis (EDA) consisting of 5 phases. 1. Descriptive analysis. 2. Adjustment of variable types. 3. Detection and treatment of missing data. 4. Identification of atypical data. 4. Correlation of variables. A series of conclusions are drawn from this analysis.">
+          <p:cNvPr id="5" name="Picture 4">
             <a:extLst>
               <a:ext uri="{FF2B5EF4-FFF2-40B4-BE49-F238E27FC236}">
-                <a16:creationId xmlns:a16="http://schemas.microsoft.com/office/drawing/2014/main" id="{39231C51-98F7-8E00-CCEB-446213702CB5}"/>
+                <a16:creationId xmlns:a16="http://schemas.microsoft.com/office/drawing/2014/main" id="{356B8106-91C5-5136-5EE4-92C22481C167}"/>
               </a:ext>
             </a:extLst>
           </p:cNvPr>
           <p:cNvPicPr>
-            <a:picLocks noChangeAspect="1" noChangeArrowheads="1"/>
+            <a:picLocks noChangeAspect="1"/>
           </p:cNvPicPr>
           <p:nvPr/>
         </p:nvPicPr>
         <p:blipFill rotWithShape="1">
-          <a:blip r:embed="rId3" cstate="email">
+          <a:blip r:embed="rId3">
             <a:extLst>
               <a:ext uri="{BEBA8EAE-BF5A-486C-A8C5-ECC9F3942E4B}">
                 <a14:imgProps xmlns:a14="http://schemas.microsoft.com/office/drawing/2010/main">
                   <a14:imgLayer r:embed="rId4">
                     <a14:imgEffect>
-                      <a14:backgroundRemoval t="0" b="100000" l="1442" r="98558">
-                        <a14:foregroundMark x1="2564" y1="82836" x2="1603" y2="74627"/>
-                        <a14:foregroundMark x1="98558" y1="79851" x2="98077" y2="73881"/>
-                        <a14:foregroundMark x1="78526" y1="32090" x2="80929" y2="31343"/>
-                        <a14:foregroundMark x1="18750" y1="32836" x2="15705" y2="30597"/>
-                        <a14:foregroundMark x1="81250" y1="29851" x2="81250" y2="29851"/>
-                        <a14:foregroundMark x1="20833" y1="52239" x2="21795" y2="50000"/>
-                        <a14:foregroundMark x1="78205" y1="50000" x2="79006" y2="52239"/>
-                        <a14:foregroundMark x1="51763" y1="15672" x2="52244" y2="11940"/>
-                        <a14:foregroundMark x1="45353" y1="6716" x2="47596" y2="11194"/>
-                        <a14:foregroundMark x1="53045" y1="11194" x2="57051" y2="10448"/>
-                        <a14:foregroundMark x1="46795" y1="15672" x2="46955" y2="20149"/>
-                        <a14:foregroundMark x1="23397" y1="7463" x2="25962" y2="4478"/>
-                        <a14:foregroundMark x1="51603" y1="20149" x2="51763" y2="21642"/>
-                        <a14:foregroundMark x1="23558" y1="10448" x2="26603" y2="12687"/>
-                        <a14:foregroundMark x1="61859" y1="8209" x2="65865" y2="8955"/>
-                        <a14:backgroundMark x1="66987" y1="55970" x2="67949" y2="55970"/>
-                        <a14:backgroundMark x1="29487" y1="55970" x2="28045" y2="55224"/>
-                        <a14:backgroundMark x1="42949" y1="6716" x2="43109" y2="7463"/>
+                      <a14:backgroundRemoval t="10000" b="90000" l="8292" r="90458">
+                        <a14:foregroundMark x1="8333" y1="69000" x2="10083" y2="74000"/>
+                        <a14:foregroundMark x1="79667" y1="61636" x2="86208" y2="64909"/>
+                        <a14:foregroundMark x1="86208" y1="64909" x2="90458" y2="71636"/>
+                        <a14:foregroundMark x1="72708" y1="39273" x2="75208" y2="38818"/>
+                        <a14:foregroundMark x1="23375" y1="41000" x2="20750" y2="38364"/>
+                        <a14:foregroundMark x1="75542" y1="38091" x2="74667" y2="39091"/>
+                        <a14:foregroundMark x1="72917" y1="51636" x2="74125" y2="53818"/>
+                        <a14:foregroundMark x1="24333" y1="55000" x2="25333" y2="52636"/>
+                        <a14:foregroundMark x1="39167" y1="20091" x2="41000" y2="22000"/>
+                        <a14:foregroundMark x1="46583" y1="30545" x2="46875" y2="23364"/>
+                        <a14:foregroundMark x1="46333" y1="22000" x2="44708" y2="21273"/>
+                        <a14:foregroundMark x1="54750" y1="24091" x2="51458" y2="24545"/>
+                        <a14:foregroundMark x1="54750" y1="23364" x2="55292" y2="24091"/>
+                        <a14:foregroundMark x1="58458" y1="22000" x2="64125" y2="22636"/>
+                        <a14:backgroundMark x1="50042" y1="36909" x2="51125" y2="36909"/>
                       </a14:backgroundRemoval>
                     </a14:imgEffect>
                   </a14:imgLayer>
                 </a14:imgProps>
               </a:ext>
-              <a:ext uri="{28A0092B-C50C-407E-A947-70E740481C1C}">
-                <a14:useLocalDpi xmlns:a14="http://schemas.microsoft.com/office/drawing/2010/main"/>
-              </a:ext>
             </a:extLst>
           </a:blip>
-          <a:srcRect/>
+          <a:srcRect l="6915" t="18390" r="8009" b="12490"/>
           <a:stretch/>
         </p:blipFill>
-        <p:spPr bwMode="auto">
+        <p:spPr>
           <a:xfrm>
-            <a:off x="3962045" y="2328421"/>
-            <a:ext cx="7319949" cy="2771479"/>
+            <a:off x="3681045" y="2216799"/>
+            <a:ext cx="7666242" cy="2854734"/>
           </a:xfrm>
           <a:prstGeom prst="rect">
             <a:avLst/>
           </a:prstGeom>
-          <a:noFill/>
-          <a:extLst>
-            <a:ext uri="{909E8E84-426E-40DD-AFC4-6F175D3DCCD1}">
-              <a14:hiddenFill xmlns:a14="http://schemas.microsoft.com/office/drawing/2010/main">
-                <a:solidFill>
-                  <a:srgbClr val="FFFFFF"/>
-                </a:solidFill>
-              </a14:hiddenFill>
-            </a:ext>
-          </a:extLst>
         </p:spPr>
       </p:pic>
     </p:spTree>
@@ -16343,7 +16327,7 @@
             </a:r>
             <a:r>
               <a:rPr lang="en-CA" sz="1800" dirty="0" err="1"/>
-              <a:t>Codecamy</a:t>
+              <a:t>Codecademy</a:t>
             </a:r>
             <a:r>
               <a:rPr lang="en-CA" sz="1800" dirty="0"/>

--- a/Docs/Project/Biodiversity Analysis.pptx
+++ b/Docs/Project/Biodiversity Analysis.pptx
@@ -17937,15 +17937,7 @@
             </a:pPr>
             <a:r>
               <a:rPr lang="en-CA" sz="1800" dirty="0"/>
-              <a:t>Also known as Data Wrangling and </a:t>
-            </a:r>
-            <a:r>
-              <a:rPr lang="en-CA" sz="1800" dirty="0" err="1"/>
-              <a:t>Tyding</a:t>
-            </a:r>
-            <a:r>
-              <a:rPr lang="en-CA" sz="1800" dirty="0"/>
-              <a:t>, this step is where we check the data set for missing values, duplicated rows, and any other cleaning or organization that we might need to do in order to make them ready to be used in our analysis.</a:t>
+              <a:t>Also known as Data Wrangling and Tidying, this step is where we check the data set for missing values, duplicated rows, and any other cleaning or organization that we might need to do in order to make them ready to be used in our analysis.</a:t>
             </a:r>
           </a:p>
           <a:p>
